--- a/1203(suga)進捗.pptx
+++ b/1203(suga)進捗.pptx
@@ -5,7 +5,7 @@
     <p:sldMasterId id="2147483648" r:id="rId1"/>
   </p:sldMasterIdLst>
   <p:notesMasterIdLst>
-    <p:notesMasterId r:id="rId17"/>
+    <p:notesMasterId r:id="rId18"/>
   </p:notesMasterIdLst>
   <p:sldIdLst>
     <p:sldId id="256" r:id="rId2"/>
@@ -21,8 +21,9 @@
     <p:sldId id="266" r:id="rId12"/>
     <p:sldId id="268" r:id="rId13"/>
     <p:sldId id="269" r:id="rId14"/>
-    <p:sldId id="270" r:id="rId15"/>
-    <p:sldId id="258" r:id="rId16"/>
+    <p:sldId id="271" r:id="rId15"/>
+    <p:sldId id="270" r:id="rId16"/>
+    <p:sldId id="258" r:id="rId17"/>
   </p:sldIdLst>
   <p:sldSz cx="9144000" cy="6858000" type="screen4x3"/>
   <p:notesSz cx="6858000" cy="9144000"/>
@@ -139,6 +140,7 @@
             <p14:sldId id="266"/>
             <p14:sldId id="268"/>
             <p14:sldId id="269"/>
+            <p14:sldId id="271"/>
             <p14:sldId id="270"/>
             <p14:sldId id="258"/>
           </p14:sldIdLst>
@@ -3911,7 +3913,26 @@
             </a:r>
             <a:r>
               <a:rPr lang="ja-JP" altLang="en-US" dirty="0"/>
-              <a:t>に準拠したネットワーク学習システムの開発</a:t>
+              <a:t>に準拠した</a:t>
+            </a:r>
+            <a:r>
+              <a:rPr lang="ja-JP" altLang="en-US" dirty="0" smtClean="0"/>
+              <a:t>ネットワーク</a:t>
+            </a:r>
+            <a:r>
+              <a:rPr lang="en-US" altLang="ja-JP" dirty="0" smtClean="0"/>
+              <a:t/>
+            </a:r>
+            <a:br>
+              <a:rPr lang="en-US" altLang="ja-JP" dirty="0" smtClean="0"/>
+            </a:br>
+            <a:r>
+              <a:rPr lang="ja-JP" altLang="en-US" dirty="0" smtClean="0"/>
+              <a:t>学習</a:t>
+            </a:r>
+            <a:r>
+              <a:rPr lang="ja-JP" altLang="en-US" dirty="0"/>
+              <a:t>システムの開発</a:t>
             </a:r>
             <a:endParaRPr kumimoji="1" lang="ja-JP" altLang="en-US" dirty="0"/>
           </a:p>
@@ -4033,7 +4054,11 @@
             </a:r>
             <a:r>
               <a:rPr lang="ja-JP" altLang="en-US" dirty="0" smtClean="0"/>
-              <a:t>化しているアプリとの連携を取ることが可能であった。</a:t>
+              <a:t>化しているアプリとの連携を取ることが可能</a:t>
+            </a:r>
+            <a:r>
+              <a:rPr lang="ja-JP" altLang="en-US" smtClean="0"/>
+              <a:t>であった</a:t>
             </a:r>
             <a:endParaRPr lang="en-US" altLang="ja-JP" dirty="0" smtClean="0"/>
           </a:p>
@@ -4300,10 +4325,6 @@
               <a:rPr lang="ja-JP" altLang="en-US" sz="2400" dirty="0" smtClean="0"/>
               <a:t>ヘッダーが正しくないのではなく、ヘッダーが送られていないことで起きていたエラーだった</a:t>
             </a:r>
-            <a:r>
-              <a:rPr lang="ja-JP" altLang="en-US" dirty="0" smtClean="0"/>
-              <a:t>。</a:t>
-            </a:r>
             <a:endParaRPr lang="en-US" altLang="ja-JP" dirty="0"/>
           </a:p>
         </p:txBody>
@@ -4405,7 +4426,7 @@
           <a:p>
             <a:r>
               <a:rPr lang="ja-JP" altLang="en-US" sz="2800" dirty="0" smtClean="0"/>
-              <a:t>ボタンを押した時、ヘッダーなどの情報を送信する関数を呼び出していた、しかし関数が呼び出された時に、変数が初期化されていた。</a:t>
+              <a:t>ボタンを押した時、関数を呼び出し情報を送信していた　</a:t>
             </a:r>
             <a:r>
               <a:rPr lang="en-US" altLang="ja-JP" sz="2800" dirty="0" smtClean="0"/>
@@ -4416,11 +4437,11 @@
             </a:br>
             <a:r>
               <a:rPr lang="ja-JP" altLang="en-US" sz="2800" dirty="0" smtClean="0"/>
-              <a:t>　ー</a:t>
+              <a:t>ー</a:t>
             </a:r>
             <a:r>
               <a:rPr lang="ja-JP" altLang="en-US" sz="2400" dirty="0" smtClean="0"/>
-              <a:t>これにより、情報を何も入れないまま送信していた。</a:t>
+              <a:t>関数呼び出し時、変数が初期化されていた。そのため、情報を何も入れないまま送信していた</a:t>
             </a:r>
             <a:r>
               <a:rPr lang="en-US" altLang="ja-JP" sz="2400" dirty="0" smtClean="0"/>
@@ -4429,13 +4450,6 @@
             <a:br>
               <a:rPr lang="en-US" altLang="ja-JP" sz="2400" dirty="0" smtClean="0"/>
             </a:br>
-            <a:endParaRPr lang="en-US" altLang="ja-JP" sz="2800" dirty="0" smtClean="0"/>
-          </a:p>
-          <a:p>
-            <a:r>
-              <a:rPr lang="ja-JP" altLang="en-US" sz="2800" dirty="0" smtClean="0"/>
-              <a:t>情報などを入れておく変数をグローバル変数にすることで、再度呼び直しても情報を保持し、この問題を対処した。</a:t>
-            </a:r>
             <a:endParaRPr lang="en-US" altLang="ja-JP" sz="2800" dirty="0" smtClean="0"/>
           </a:p>
         </p:txBody>
@@ -4512,7 +4526,7 @@
           <a:p>
             <a:r>
               <a:rPr kumimoji="1" lang="ja-JP" altLang="en-US" dirty="0" smtClean="0"/>
-              <a:t>新たなエラー</a:t>
+              <a:t>対処方法</a:t>
             </a:r>
             <a:endParaRPr kumimoji="1" lang="ja-JP" altLang="en-US" dirty="0"/>
           </a:p>
@@ -4534,69 +4548,14 @@
           <a:lstStyle/>
           <a:p>
             <a:r>
-              <a:rPr lang="en-US" altLang="ja-JP" dirty="0"/>
-              <a:t>Message signature not </a:t>
-            </a:r>
-            <a:r>
-              <a:rPr lang="en-US" altLang="ja-JP" dirty="0" smtClean="0"/>
-              <a:t>valid</a:t>
-            </a:r>
-            <a:br>
-              <a:rPr lang="en-US" altLang="ja-JP" dirty="0" smtClean="0"/>
-            </a:br>
-            <a:r>
-              <a:rPr lang="ja-JP" altLang="en-US" sz="2400" dirty="0" smtClean="0"/>
-              <a:t>ー署名に使う</a:t>
-            </a:r>
-            <a:r>
-              <a:rPr lang="en-US" altLang="ja-JP" sz="2400" dirty="0" smtClean="0"/>
-              <a:t>signature</a:t>
-            </a:r>
-            <a:r>
-              <a:rPr lang="ja-JP" altLang="en-US" sz="2400" dirty="0" smtClean="0"/>
-              <a:t>が正しくないと言われた</a:t>
+              <a:rPr lang="ja-JP" altLang="en-US" dirty="0"/>
+              <a:t>情報などを入れておく変数をグローバル変数にすることで、再度呼び直しても情報を保持し、この問題を対処</a:t>
             </a:r>
             <a:r>
               <a:rPr lang="ja-JP" altLang="en-US" dirty="0" smtClean="0"/>
-              <a:t>。</a:t>
-            </a:r>
-            <a:r>
-              <a:rPr lang="en-US" altLang="ja-JP" dirty="0" smtClean="0"/>
-              <a:t/>
-            </a:r>
-            <a:br>
-              <a:rPr lang="en-US" altLang="ja-JP" dirty="0" smtClean="0"/>
-            </a:br>
-            <a:r>
-              <a:rPr lang="en-US" altLang="ja-JP" dirty="0" smtClean="0"/>
-              <a:t/>
-            </a:r>
-            <a:br>
-              <a:rPr lang="en-US" altLang="ja-JP" dirty="0" smtClean="0"/>
-            </a:br>
-            <a:endParaRPr lang="en-US" altLang="ja-JP" dirty="0" smtClean="0"/>
-          </a:p>
-          <a:p>
-            <a:r>
-              <a:rPr lang="en-US" altLang="ja-JP" dirty="0" err="1" smtClean="0"/>
-              <a:t>Oauth_body_hash</a:t>
-            </a:r>
-            <a:r>
-              <a:rPr lang="ja-JP" altLang="en-US" dirty="0" smtClean="0"/>
-              <a:t>がないのが原因かと思われた。</a:t>
-            </a:r>
-            <a:r>
-              <a:rPr lang="en-US" altLang="ja-JP" dirty="0" smtClean="0"/>
-              <a:t/>
-            </a:r>
-            <a:br>
-              <a:rPr lang="en-US" altLang="ja-JP" dirty="0" smtClean="0"/>
-            </a:br>
-            <a:r>
-              <a:rPr lang="ja-JP" altLang="en-US" sz="2400" dirty="0" smtClean="0"/>
-              <a:t>ー実装したが解決せず</a:t>
-            </a:r>
-            <a:endParaRPr lang="en-US" altLang="ja-JP" sz="2400" dirty="0" smtClean="0"/>
+              <a:t>した</a:t>
+            </a:r>
+            <a:endParaRPr lang="en-US" altLang="ja-JP" dirty="0"/>
           </a:p>
         </p:txBody>
       </p:sp>
@@ -4628,7 +4587,7 @@
     </p:spTree>
     <p:extLst>
       <p:ext uri="{BB962C8B-B14F-4D97-AF65-F5344CB8AC3E}">
-        <p14:creationId xmlns:p14="http://schemas.microsoft.com/office/powerpoint/2010/main" val="619384940"/>
+        <p14:creationId xmlns:p14="http://schemas.microsoft.com/office/powerpoint/2010/main" val="238864003"/>
       </p:ext>
     </p:extLst>
   </p:cSld>
@@ -4657,6 +4616,162 @@
       </p:grpSpPr>
       <p:sp>
         <p:nvSpPr>
+          <p:cNvPr id="2" name="タイトル 1"/>
+          <p:cNvSpPr>
+            <a:spLocks noGrp="1"/>
+          </p:cNvSpPr>
+          <p:nvPr>
+            <p:ph type="title"/>
+          </p:nvPr>
+        </p:nvSpPr>
+        <p:spPr/>
+        <p:txBody>
+          <a:bodyPr/>
+          <a:lstStyle/>
+          <a:p>
+            <a:r>
+              <a:rPr kumimoji="1" lang="ja-JP" altLang="en-US" dirty="0" smtClean="0"/>
+              <a:t>新たなエラー</a:t>
+            </a:r>
+            <a:endParaRPr kumimoji="1" lang="ja-JP" altLang="en-US" dirty="0"/>
+          </a:p>
+        </p:txBody>
+      </p:sp>
+      <p:sp>
+        <p:nvSpPr>
+          <p:cNvPr id="3" name="コンテンツ プレースホルダー 2"/>
+          <p:cNvSpPr>
+            <a:spLocks noGrp="1"/>
+          </p:cNvSpPr>
+          <p:nvPr>
+            <p:ph idx="1"/>
+          </p:nvPr>
+        </p:nvSpPr>
+        <p:spPr/>
+        <p:txBody>
+          <a:bodyPr/>
+          <a:lstStyle/>
+          <a:p>
+            <a:r>
+              <a:rPr lang="en-US" altLang="ja-JP" dirty="0"/>
+              <a:t>Message signature not </a:t>
+            </a:r>
+            <a:r>
+              <a:rPr lang="en-US" altLang="ja-JP" dirty="0" smtClean="0"/>
+              <a:t>valid</a:t>
+            </a:r>
+            <a:br>
+              <a:rPr lang="en-US" altLang="ja-JP" dirty="0" smtClean="0"/>
+            </a:br>
+            <a:r>
+              <a:rPr lang="ja-JP" altLang="en-US" sz="2400" dirty="0" smtClean="0"/>
+              <a:t>ー署名に使う</a:t>
+            </a:r>
+            <a:r>
+              <a:rPr lang="en-US" altLang="ja-JP" sz="2400" dirty="0" smtClean="0"/>
+              <a:t>signature</a:t>
+            </a:r>
+            <a:r>
+              <a:rPr lang="ja-JP" altLang="en-US" sz="2400" dirty="0" smtClean="0"/>
+              <a:t>が正しくないと言われた</a:t>
+            </a:r>
+            <a:r>
+              <a:rPr lang="en-US" altLang="ja-JP" dirty="0" smtClean="0"/>
+              <a:t/>
+            </a:r>
+            <a:br>
+              <a:rPr lang="en-US" altLang="ja-JP" dirty="0" smtClean="0"/>
+            </a:br>
+            <a:r>
+              <a:rPr lang="en-US" altLang="ja-JP" dirty="0" smtClean="0"/>
+              <a:t/>
+            </a:r>
+            <a:br>
+              <a:rPr lang="en-US" altLang="ja-JP" dirty="0" smtClean="0"/>
+            </a:br>
+            <a:endParaRPr lang="en-US" altLang="ja-JP" dirty="0" smtClean="0"/>
+          </a:p>
+          <a:p>
+            <a:r>
+              <a:rPr lang="en-US" altLang="ja-JP" dirty="0" err="1" smtClean="0"/>
+              <a:t>Oauth_body_hash</a:t>
+            </a:r>
+            <a:r>
+              <a:rPr lang="ja-JP" altLang="en-US" dirty="0" smtClean="0"/>
+              <a:t>がないのが原因かと思われた。</a:t>
+            </a:r>
+            <a:r>
+              <a:rPr lang="en-US" altLang="ja-JP" dirty="0" smtClean="0"/>
+              <a:t/>
+            </a:r>
+            <a:br>
+              <a:rPr lang="en-US" altLang="ja-JP" dirty="0" smtClean="0"/>
+            </a:br>
+            <a:r>
+              <a:rPr lang="ja-JP" altLang="en-US" sz="2400" dirty="0" smtClean="0"/>
+              <a:t>ー実装したが解決せず</a:t>
+            </a:r>
+            <a:endParaRPr lang="en-US" altLang="ja-JP" sz="2400" dirty="0" smtClean="0"/>
+          </a:p>
+        </p:txBody>
+      </p:sp>
+      <p:sp>
+        <p:nvSpPr>
+          <p:cNvPr id="4" name="スライド番号プレースホルダー 3"/>
+          <p:cNvSpPr>
+            <a:spLocks noGrp="1"/>
+          </p:cNvSpPr>
+          <p:nvPr>
+            <p:ph type="sldNum" sz="quarter" idx="12"/>
+          </p:nvPr>
+        </p:nvSpPr>
+        <p:spPr/>
+        <p:txBody>
+          <a:bodyPr/>
+          <a:lstStyle/>
+          <a:p>
+            <a:pPr algn="ctr"/>
+            <a:fld id="{CA23F248-F353-4F36-A746-B1953A38AE2D}" type="slidenum">
+              <a:rPr lang="ja-JP" altLang="en-US" smtClean="0"/>
+              <a:pPr algn="ctr"/>
+              <a:t>15</a:t>
+            </a:fld>
+            <a:endParaRPr lang="ja-JP" altLang="en-US" dirty="0"/>
+          </a:p>
+        </p:txBody>
+      </p:sp>
+    </p:spTree>
+    <p:extLst>
+      <p:ext uri="{BB962C8B-B14F-4D97-AF65-F5344CB8AC3E}">
+        <p14:creationId xmlns:p14="http://schemas.microsoft.com/office/powerpoint/2010/main" val="619384940"/>
+      </p:ext>
+    </p:extLst>
+  </p:cSld>
+  <p:clrMapOvr>
+    <a:masterClrMapping/>
+  </p:clrMapOvr>
+</p:sld>
+</file>
+
+<file path=ppt/slides/slide16.xml><?xml version="1.0" encoding="utf-8"?>
+<p:sld xmlns:a="http://schemas.openxmlformats.org/drawingml/2006/main" xmlns:r="http://schemas.openxmlformats.org/officeDocument/2006/relationships" xmlns:p="http://schemas.openxmlformats.org/presentationml/2006/main">
+  <p:cSld>
+    <p:spTree>
+      <p:nvGrpSpPr>
+        <p:cNvPr id="1" name=""/>
+        <p:cNvGrpSpPr/>
+        <p:nvPr/>
+      </p:nvGrpSpPr>
+      <p:grpSpPr>
+        <a:xfrm>
+          <a:off x="0" y="0"/>
+          <a:ext cx="0" cy="0"/>
+          <a:chOff x="0" y="0"/>
+          <a:chExt cx="0" cy="0"/>
+        </a:xfrm>
+      </p:grpSpPr>
+      <p:sp>
+        <p:nvSpPr>
           <p:cNvPr id="2" name="タイトル 1">
             <a:extLst>
               <a:ext uri="{FF2B5EF4-FFF2-40B4-BE49-F238E27FC236}">
@@ -4766,7 +4881,7 @@
             <a:fld id="{CA23F248-F353-4F36-A746-B1953A38AE2D}" type="slidenum">
               <a:rPr lang="ja-JP" altLang="en-US" smtClean="0"/>
               <a:pPr algn="ctr"/>
-              <a:t>15</a:t>
+              <a:t>16</a:t>
             </a:fld>
             <a:endParaRPr lang="ja-JP" altLang="en-US" dirty="0"/>
           </a:p>
